--- a/michaelmas/Introduction to discrete analysis/새 Microsoft PowerPoint 프레젠테이션.pptx
+++ b/michaelmas/Introduction to discrete analysis/새 Microsoft PowerPoint 프레젠테이션.pptx
@@ -6,6 +6,7 @@
   </p:sldMasterIdLst>
   <p:sldIdLst>
     <p:sldId id="256" r:id="rId2"/>
+    <p:sldId id="257" r:id="rId3"/>
   </p:sldIdLst>
   <p:sldSz cx="9144000" cy="6858000" type="screen4x3"/>
   <p:notesSz cx="6858000" cy="9144000"/>
@@ -288,7 +289,7 @@
           <a:p>
             <a:fld id="{FB30EDBD-1C2D-4C1E-B459-B60219FAB484}" type="datetimeFigureOut">
               <a:rPr lang="ko-KR" altLang="en-US" smtClean="0"/>
-              <a:t>2018-11-01</a:t>
+              <a:t>2018-11-13</a:t>
             </a:fld>
             <a:endParaRPr lang="ko-KR" altLang="en-US"/>
           </a:p>
@@ -453,7 +454,7 @@
           <a:p>
             <a:fld id="{FB30EDBD-1C2D-4C1E-B459-B60219FAB484}" type="datetimeFigureOut">
               <a:rPr lang="ko-KR" altLang="en-US" smtClean="0"/>
-              <a:t>2018-11-01</a:t>
+              <a:t>2018-11-13</a:t>
             </a:fld>
             <a:endParaRPr lang="ko-KR" altLang="en-US"/>
           </a:p>
@@ -628,7 +629,7 @@
           <a:p>
             <a:fld id="{FB30EDBD-1C2D-4C1E-B459-B60219FAB484}" type="datetimeFigureOut">
               <a:rPr lang="ko-KR" altLang="en-US" smtClean="0"/>
-              <a:t>2018-11-01</a:t>
+              <a:t>2018-11-13</a:t>
             </a:fld>
             <a:endParaRPr lang="ko-KR" altLang="en-US"/>
           </a:p>
@@ -793,7 +794,7 @@
           <a:p>
             <a:fld id="{FB30EDBD-1C2D-4C1E-B459-B60219FAB484}" type="datetimeFigureOut">
               <a:rPr lang="ko-KR" altLang="en-US" smtClean="0"/>
-              <a:t>2018-11-01</a:t>
+              <a:t>2018-11-13</a:t>
             </a:fld>
             <a:endParaRPr lang="ko-KR" altLang="en-US"/>
           </a:p>
@@ -1034,7 +1035,7 @@
           <a:p>
             <a:fld id="{FB30EDBD-1C2D-4C1E-B459-B60219FAB484}" type="datetimeFigureOut">
               <a:rPr lang="ko-KR" altLang="en-US" smtClean="0"/>
-              <a:t>2018-11-01</a:t>
+              <a:t>2018-11-13</a:t>
             </a:fld>
             <a:endParaRPr lang="ko-KR" altLang="en-US"/>
           </a:p>
@@ -1317,7 +1318,7 @@
           <a:p>
             <a:fld id="{FB30EDBD-1C2D-4C1E-B459-B60219FAB484}" type="datetimeFigureOut">
               <a:rPr lang="ko-KR" altLang="en-US" smtClean="0"/>
-              <a:t>2018-11-01</a:t>
+              <a:t>2018-11-13</a:t>
             </a:fld>
             <a:endParaRPr lang="ko-KR" altLang="en-US"/>
           </a:p>
@@ -1734,7 +1735,7 @@
           <a:p>
             <a:fld id="{FB30EDBD-1C2D-4C1E-B459-B60219FAB484}" type="datetimeFigureOut">
               <a:rPr lang="ko-KR" altLang="en-US" smtClean="0"/>
-              <a:t>2018-11-01</a:t>
+              <a:t>2018-11-13</a:t>
             </a:fld>
             <a:endParaRPr lang="ko-KR" altLang="en-US"/>
           </a:p>
@@ -1847,7 +1848,7 @@
           <a:p>
             <a:fld id="{FB30EDBD-1C2D-4C1E-B459-B60219FAB484}" type="datetimeFigureOut">
               <a:rPr lang="ko-KR" altLang="en-US" smtClean="0"/>
-              <a:t>2018-11-01</a:t>
+              <a:t>2018-11-13</a:t>
             </a:fld>
             <a:endParaRPr lang="ko-KR" altLang="en-US"/>
           </a:p>
@@ -1937,7 +1938,7 @@
           <a:p>
             <a:fld id="{FB30EDBD-1C2D-4C1E-B459-B60219FAB484}" type="datetimeFigureOut">
               <a:rPr lang="ko-KR" altLang="en-US" smtClean="0"/>
-              <a:t>2018-11-01</a:t>
+              <a:t>2018-11-13</a:t>
             </a:fld>
             <a:endParaRPr lang="ko-KR" altLang="en-US"/>
           </a:p>
@@ -2209,7 +2210,7 @@
           <a:p>
             <a:fld id="{FB30EDBD-1C2D-4C1E-B459-B60219FAB484}" type="datetimeFigureOut">
               <a:rPr lang="ko-KR" altLang="en-US" smtClean="0"/>
-              <a:t>2018-11-01</a:t>
+              <a:t>2018-11-13</a:t>
             </a:fld>
             <a:endParaRPr lang="ko-KR" altLang="en-US"/>
           </a:p>
@@ -2457,7 +2458,7 @@
           <a:p>
             <a:fld id="{FB30EDBD-1C2D-4C1E-B459-B60219FAB484}" type="datetimeFigureOut">
               <a:rPr lang="ko-KR" altLang="en-US" smtClean="0"/>
-              <a:t>2018-11-01</a:t>
+              <a:t>2018-11-13</a:t>
             </a:fld>
             <a:endParaRPr lang="ko-KR" altLang="en-US"/>
           </a:p>
@@ -2665,7 +2666,7 @@
           <a:p>
             <a:fld id="{FB30EDBD-1C2D-4C1E-B459-B60219FAB484}" type="datetimeFigureOut">
               <a:rPr lang="ko-KR" altLang="en-US" smtClean="0"/>
-              <a:t>2018-11-01</a:t>
+              <a:t>2018-11-13</a:t>
             </a:fld>
             <a:endParaRPr lang="ko-KR" altLang="en-US"/>
           </a:p>
@@ -3341,8 +3342,8 @@
             </a:fontRef>
           </p:style>
         </p:cxnSp>
-        <mc:AlternateContent xmlns:mc="http://schemas.openxmlformats.org/markup-compatibility/2006">
-          <mc:Choice xmlns:a14="http://schemas.microsoft.com/office/drawing/2010/main" Requires="a14">
+        <mc:AlternateContent xmlns:mc="http://schemas.openxmlformats.org/markup-compatibility/2006" xmlns:a14="http://schemas.microsoft.com/office/drawing/2010/main">
+          <mc:Choice Requires="a14">
             <p:sp>
               <p:nvSpPr>
                 <p:cNvPr id="17" name="TextBox 16"/>
@@ -3365,6 +3366,7 @@
                 </a:bodyPr>
                 <a:lstStyle/>
                 <a:p>
+                  <a:pPr/>
                   <a14:m>
                     <m:oMathPara xmlns:m="http://schemas.openxmlformats.org/officeDocument/2006/math">
                       <m:oMathParaPr>
@@ -3404,7 +3406,7 @@
               </p:txBody>
             </p:sp>
           </mc:Choice>
-          <mc:Fallback>
+          <mc:Fallback xmlns="">
             <p:sp>
               <p:nvSpPr>
                 <p:cNvPr id="17" name="TextBox 16"/>
@@ -3443,8 +3445,8 @@
             </p:sp>
           </mc:Fallback>
         </mc:AlternateContent>
-        <mc:AlternateContent xmlns:mc="http://schemas.openxmlformats.org/markup-compatibility/2006">
-          <mc:Choice xmlns:a14="http://schemas.microsoft.com/office/drawing/2010/main" Requires="a14">
+        <mc:AlternateContent xmlns:mc="http://schemas.openxmlformats.org/markup-compatibility/2006" xmlns:a14="http://schemas.microsoft.com/office/drawing/2010/main">
+          <mc:Choice Requires="a14">
             <p:sp>
               <p:nvSpPr>
                 <p:cNvPr id="18" name="TextBox 17"/>
@@ -3467,6 +3469,7 @@
                 </a:bodyPr>
                 <a:lstStyle/>
                 <a:p>
+                  <a:pPr/>
                   <a14:m>
                     <m:oMathPara xmlns:m="http://schemas.openxmlformats.org/officeDocument/2006/math">
                       <m:oMathParaPr>
@@ -3506,7 +3509,7 @@
               </p:txBody>
             </p:sp>
           </mc:Choice>
-          <mc:Fallback>
+          <mc:Fallback xmlns="">
             <p:sp>
               <p:nvSpPr>
                 <p:cNvPr id="18" name="TextBox 17"/>
@@ -3545,8 +3548,8 @@
             </p:sp>
           </mc:Fallback>
         </mc:AlternateContent>
-        <mc:AlternateContent xmlns:mc="http://schemas.openxmlformats.org/markup-compatibility/2006">
-          <mc:Choice xmlns:a14="http://schemas.microsoft.com/office/drawing/2010/main" Requires="a14">
+        <mc:AlternateContent xmlns:mc="http://schemas.openxmlformats.org/markup-compatibility/2006" xmlns:a14="http://schemas.microsoft.com/office/drawing/2010/main">
+          <mc:Choice Requires="a14">
             <p:sp>
               <p:nvSpPr>
                 <p:cNvPr id="19" name="TextBox 18"/>
@@ -3569,6 +3572,7 @@
                 </a:bodyPr>
                 <a:lstStyle/>
                 <a:p>
+                  <a:pPr/>
                   <a14:m>
                     <m:oMathPara xmlns:m="http://schemas.openxmlformats.org/officeDocument/2006/math">
                       <m:oMathParaPr>
@@ -3608,7 +3612,7 @@
               </p:txBody>
             </p:sp>
           </mc:Choice>
-          <mc:Fallback>
+          <mc:Fallback xmlns="">
             <p:sp>
               <p:nvSpPr>
                 <p:cNvPr id="19" name="TextBox 18"/>
@@ -3647,8 +3651,8 @@
             </p:sp>
           </mc:Fallback>
         </mc:AlternateContent>
-        <mc:AlternateContent xmlns:mc="http://schemas.openxmlformats.org/markup-compatibility/2006">
-          <mc:Choice xmlns:a14="http://schemas.microsoft.com/office/drawing/2010/main" Requires="a14">
+        <mc:AlternateContent xmlns:mc="http://schemas.openxmlformats.org/markup-compatibility/2006" xmlns:a14="http://schemas.microsoft.com/office/drawing/2010/main">
+          <mc:Choice Requires="a14">
             <p:sp>
               <p:nvSpPr>
                 <p:cNvPr id="20" name="TextBox 19"/>
@@ -3671,6 +3675,7 @@
                 </a:bodyPr>
                 <a:lstStyle/>
                 <a:p>
+                  <a:pPr/>
                   <a14:m>
                     <m:oMathPara xmlns:m="http://schemas.openxmlformats.org/officeDocument/2006/math">
                       <m:oMathParaPr>
@@ -3710,7 +3715,7 @@
               </p:txBody>
             </p:sp>
           </mc:Choice>
-          <mc:Fallback>
+          <mc:Fallback xmlns="">
             <p:sp>
               <p:nvSpPr>
                 <p:cNvPr id="20" name="TextBox 19"/>
@@ -3754,6 +3759,1413 @@
     <p:extLst>
       <p:ext uri="{BB962C8B-B14F-4D97-AF65-F5344CB8AC3E}">
         <p14:creationId xmlns:p14="http://schemas.microsoft.com/office/powerpoint/2010/main" val="197491299"/>
+      </p:ext>
+    </p:extLst>
+  </p:cSld>
+  <p:clrMapOvr>
+    <a:masterClrMapping/>
+  </p:clrMapOvr>
+</p:sld>
+</file>
+
+<file path=ppt/slides/slide2.xml><?xml version="1.0" encoding="utf-8"?>
+<p:sld xmlns:a="http://schemas.openxmlformats.org/drawingml/2006/main" xmlns:r="http://schemas.openxmlformats.org/officeDocument/2006/relationships" xmlns:p="http://schemas.openxmlformats.org/presentationml/2006/main">
+  <p:cSld>
+    <p:spTree>
+      <p:nvGrpSpPr>
+        <p:cNvPr id="1" name=""/>
+        <p:cNvGrpSpPr/>
+        <p:nvPr/>
+      </p:nvGrpSpPr>
+      <p:grpSpPr>
+        <a:xfrm>
+          <a:off x="0" y="0"/>
+          <a:ext cx="0" cy="0"/>
+          <a:chOff x="0" y="0"/>
+          <a:chExt cx="0" cy="0"/>
+        </a:xfrm>
+      </p:grpSpPr>
+      <p:grpSp>
+        <p:nvGrpSpPr>
+          <p:cNvPr id="3" name="그룹 2"/>
+          <p:cNvGrpSpPr/>
+          <p:nvPr/>
+        </p:nvGrpSpPr>
+        <p:grpSpPr>
+          <a:xfrm>
+            <a:off x="859401" y="476672"/>
+            <a:ext cx="6865166" cy="6580719"/>
+            <a:chOff x="859401" y="476672"/>
+            <a:chExt cx="6865166" cy="6580719"/>
+          </a:xfrm>
+        </p:grpSpPr>
+        <p:grpSp>
+          <p:nvGrpSpPr>
+            <p:cNvPr id="42" name="그룹 41"/>
+            <p:cNvGrpSpPr/>
+            <p:nvPr/>
+          </p:nvGrpSpPr>
+          <p:grpSpPr>
+            <a:xfrm>
+              <a:off x="1619672" y="836712"/>
+              <a:ext cx="5400600" cy="6220679"/>
+              <a:chOff x="1619672" y="836712"/>
+              <a:chExt cx="5400600" cy="6220679"/>
+            </a:xfrm>
+          </p:grpSpPr>
+          <p:sp>
+            <p:nvSpPr>
+              <p:cNvPr id="4" name="직사각형 3"/>
+              <p:cNvSpPr/>
+              <p:nvPr/>
+            </p:nvSpPr>
+            <p:spPr>
+              <a:xfrm>
+                <a:off x="1619672" y="836712"/>
+                <a:ext cx="5400600" cy="5400600"/>
+              </a:xfrm>
+              <a:prstGeom prst="rect">
+                <a:avLst/>
+              </a:prstGeom>
+              <a:noFill/>
+            </p:spPr>
+            <p:style>
+              <a:lnRef idx="2">
+                <a:schemeClr val="accent1">
+                  <a:shade val="50000"/>
+                </a:schemeClr>
+              </a:lnRef>
+              <a:fillRef idx="1">
+                <a:schemeClr val="accent1"/>
+              </a:fillRef>
+              <a:effectRef idx="0">
+                <a:schemeClr val="accent1"/>
+              </a:effectRef>
+              <a:fontRef idx="minor">
+                <a:schemeClr val="lt1"/>
+              </a:fontRef>
+            </p:style>
+            <p:txBody>
+              <a:bodyPr rtlCol="0" anchor="ctr"/>
+              <a:lstStyle/>
+              <a:p>
+                <a:pPr algn="ctr"/>
+                <a:endParaRPr lang="ko-KR" altLang="en-US"/>
+              </a:p>
+            </p:txBody>
+          </p:sp>
+          <p:cxnSp>
+            <p:nvCxnSpPr>
+              <p:cNvPr id="6" name="직선 연결선 5"/>
+              <p:cNvCxnSpPr/>
+              <p:nvPr/>
+            </p:nvCxnSpPr>
+            <p:spPr>
+              <a:xfrm>
+                <a:off x="1619672" y="2924944"/>
+                <a:ext cx="3312368" cy="3312368"/>
+              </a:xfrm>
+              <a:prstGeom prst="line">
+                <a:avLst/>
+              </a:prstGeom>
+              <a:ln w="19050">
+                <a:prstDash val="dash"/>
+              </a:ln>
+            </p:spPr>
+            <p:style>
+              <a:lnRef idx="1">
+                <a:schemeClr val="accent1"/>
+              </a:lnRef>
+              <a:fillRef idx="0">
+                <a:schemeClr val="accent1"/>
+              </a:fillRef>
+              <a:effectRef idx="0">
+                <a:schemeClr val="accent1"/>
+              </a:effectRef>
+              <a:fontRef idx="minor">
+                <a:schemeClr val="tx1"/>
+              </a:fontRef>
+            </p:style>
+          </p:cxnSp>
+          <p:cxnSp>
+            <p:nvCxnSpPr>
+              <p:cNvPr id="7" name="직선 연결선 6"/>
+              <p:cNvCxnSpPr/>
+              <p:nvPr/>
+            </p:nvCxnSpPr>
+            <p:spPr>
+              <a:xfrm>
+                <a:off x="1619672" y="2348880"/>
+                <a:ext cx="3878661" cy="3878661"/>
+              </a:xfrm>
+              <a:prstGeom prst="line">
+                <a:avLst/>
+              </a:prstGeom>
+              <a:ln w="19050">
+                <a:prstDash val="dash"/>
+              </a:ln>
+            </p:spPr>
+            <p:style>
+              <a:lnRef idx="1">
+                <a:schemeClr val="accent1"/>
+              </a:lnRef>
+              <a:fillRef idx="0">
+                <a:schemeClr val="accent1"/>
+              </a:fillRef>
+              <a:effectRef idx="0">
+                <a:schemeClr val="accent1"/>
+              </a:effectRef>
+              <a:fontRef idx="minor">
+                <a:schemeClr val="tx1"/>
+              </a:fontRef>
+            </p:style>
+          </p:cxnSp>
+          <p:cxnSp>
+            <p:nvCxnSpPr>
+              <p:cNvPr id="8" name="직선 연결선 7"/>
+              <p:cNvCxnSpPr/>
+              <p:nvPr/>
+            </p:nvCxnSpPr>
+            <p:spPr>
+              <a:xfrm>
+                <a:off x="1619672" y="1772816"/>
+                <a:ext cx="4464496" cy="4464496"/>
+              </a:xfrm>
+              <a:prstGeom prst="line">
+                <a:avLst/>
+              </a:prstGeom>
+              <a:ln w="19050">
+                <a:prstDash val="dash"/>
+              </a:ln>
+            </p:spPr>
+            <p:style>
+              <a:lnRef idx="1">
+                <a:schemeClr val="accent1"/>
+              </a:lnRef>
+              <a:fillRef idx="0">
+                <a:schemeClr val="accent1"/>
+              </a:fillRef>
+              <a:effectRef idx="0">
+                <a:schemeClr val="accent1"/>
+              </a:effectRef>
+              <a:fontRef idx="minor">
+                <a:schemeClr val="tx1"/>
+              </a:fontRef>
+            </p:style>
+          </p:cxnSp>
+          <p:cxnSp>
+            <p:nvCxnSpPr>
+              <p:cNvPr id="9" name="직선 연결선 8"/>
+              <p:cNvCxnSpPr/>
+              <p:nvPr/>
+            </p:nvCxnSpPr>
+            <p:spPr>
+              <a:xfrm>
+                <a:off x="1619672" y="1114973"/>
+                <a:ext cx="5112568" cy="5112568"/>
+              </a:xfrm>
+              <a:prstGeom prst="line">
+                <a:avLst/>
+              </a:prstGeom>
+              <a:ln w="19050">
+                <a:prstDash val="dash"/>
+              </a:ln>
+            </p:spPr>
+            <p:style>
+              <a:lnRef idx="1">
+                <a:schemeClr val="accent1"/>
+              </a:lnRef>
+              <a:fillRef idx="0">
+                <a:schemeClr val="accent1"/>
+              </a:fillRef>
+              <a:effectRef idx="0">
+                <a:schemeClr val="accent1"/>
+              </a:effectRef>
+              <a:fontRef idx="minor">
+                <a:schemeClr val="tx1"/>
+              </a:fontRef>
+            </p:style>
+          </p:cxnSp>
+          <p:cxnSp>
+            <p:nvCxnSpPr>
+              <p:cNvPr id="17" name="직선 연결선 16"/>
+              <p:cNvCxnSpPr/>
+              <p:nvPr/>
+            </p:nvCxnSpPr>
+            <p:spPr>
+              <a:xfrm>
+                <a:off x="1979712" y="846483"/>
+                <a:ext cx="5030789" cy="5030789"/>
+              </a:xfrm>
+              <a:prstGeom prst="line">
+                <a:avLst/>
+              </a:prstGeom>
+              <a:ln w="19050">
+                <a:prstDash val="dash"/>
+              </a:ln>
+            </p:spPr>
+            <p:style>
+              <a:lnRef idx="1">
+                <a:schemeClr val="accent1"/>
+              </a:lnRef>
+              <a:fillRef idx="0">
+                <a:schemeClr val="accent1"/>
+              </a:fillRef>
+              <a:effectRef idx="0">
+                <a:schemeClr val="accent1"/>
+              </a:effectRef>
+              <a:fontRef idx="minor">
+                <a:schemeClr val="tx1"/>
+              </a:fontRef>
+            </p:style>
+          </p:cxnSp>
+          <p:cxnSp>
+            <p:nvCxnSpPr>
+              <p:cNvPr id="18" name="직선 연결선 17"/>
+              <p:cNvCxnSpPr/>
+              <p:nvPr/>
+            </p:nvCxnSpPr>
+            <p:spPr>
+              <a:xfrm>
+                <a:off x="2546005" y="836712"/>
+                <a:ext cx="4464496" cy="4464496"/>
+              </a:xfrm>
+              <a:prstGeom prst="line">
+                <a:avLst/>
+              </a:prstGeom>
+              <a:ln w="19050">
+                <a:prstDash val="dash"/>
+              </a:ln>
+            </p:spPr>
+            <p:style>
+              <a:lnRef idx="1">
+                <a:schemeClr val="accent1"/>
+              </a:lnRef>
+              <a:fillRef idx="0">
+                <a:schemeClr val="accent1"/>
+              </a:fillRef>
+              <a:effectRef idx="0">
+                <a:schemeClr val="accent1"/>
+              </a:effectRef>
+              <a:fontRef idx="minor">
+                <a:schemeClr val="tx1"/>
+              </a:fontRef>
+            </p:style>
+          </p:cxnSp>
+          <p:cxnSp>
+            <p:nvCxnSpPr>
+              <p:cNvPr id="19" name="직선 연결선 18"/>
+              <p:cNvCxnSpPr/>
+              <p:nvPr/>
+            </p:nvCxnSpPr>
+            <p:spPr>
+              <a:xfrm>
+                <a:off x="3122069" y="836712"/>
+                <a:ext cx="3898203" cy="3898203"/>
+              </a:xfrm>
+              <a:prstGeom prst="line">
+                <a:avLst/>
+              </a:prstGeom>
+              <a:ln w="19050">
+                <a:prstDash val="dash"/>
+              </a:ln>
+            </p:spPr>
+            <p:style>
+              <a:lnRef idx="1">
+                <a:schemeClr val="accent1"/>
+              </a:lnRef>
+              <a:fillRef idx="0">
+                <a:schemeClr val="accent1"/>
+              </a:fillRef>
+              <a:effectRef idx="0">
+                <a:schemeClr val="accent1"/>
+              </a:effectRef>
+              <a:fontRef idx="minor">
+                <a:schemeClr val="tx1"/>
+              </a:fontRef>
+            </p:style>
+          </p:cxnSp>
+          <p:cxnSp>
+            <p:nvCxnSpPr>
+              <p:cNvPr id="23" name="직선 연결선 22"/>
+              <p:cNvCxnSpPr>
+                <a:stCxn id="4" idx="1"/>
+                <a:endCxn id="4" idx="2"/>
+              </p:cNvCxnSpPr>
+              <p:nvPr/>
+            </p:nvCxnSpPr>
+            <p:spPr>
+              <a:xfrm>
+                <a:off x="1619672" y="3537012"/>
+                <a:ext cx="2700300" cy="2700300"/>
+              </a:xfrm>
+              <a:prstGeom prst="line">
+                <a:avLst/>
+              </a:prstGeom>
+              <a:ln w="19050">
+                <a:prstDash val="dash"/>
+              </a:ln>
+            </p:spPr>
+            <p:style>
+              <a:lnRef idx="1">
+                <a:schemeClr val="accent1"/>
+              </a:lnRef>
+              <a:fillRef idx="0">
+                <a:schemeClr val="accent1"/>
+              </a:fillRef>
+              <a:effectRef idx="0">
+                <a:schemeClr val="accent1"/>
+              </a:effectRef>
+              <a:fontRef idx="minor">
+                <a:schemeClr val="tx1"/>
+              </a:fontRef>
+            </p:style>
+          </p:cxnSp>
+          <p:sp>
+            <p:nvSpPr>
+              <p:cNvPr id="33" name="왼쪽 중괄호 32"/>
+              <p:cNvSpPr/>
+              <p:nvPr/>
+            </p:nvSpPr>
+            <p:spPr>
+              <a:xfrm rot="18900000">
+                <a:off x="2444481" y="3352158"/>
+                <a:ext cx="360040" cy="3705233"/>
+              </a:xfrm>
+              <a:prstGeom prst="leftBrace">
+                <a:avLst/>
+              </a:prstGeom>
+              <a:ln w="28575">
+                <a:solidFill>
+                  <a:schemeClr val="tx1"/>
+                </a:solidFill>
+              </a:ln>
+            </p:spPr>
+            <p:style>
+              <a:lnRef idx="1">
+                <a:schemeClr val="accent1"/>
+              </a:lnRef>
+              <a:fillRef idx="0">
+                <a:schemeClr val="accent1"/>
+              </a:fillRef>
+              <a:effectRef idx="0">
+                <a:schemeClr val="accent1"/>
+              </a:effectRef>
+              <a:fontRef idx="minor">
+                <a:schemeClr val="tx1"/>
+              </a:fontRef>
+            </p:style>
+            <p:txBody>
+              <a:bodyPr rtlCol="0" anchor="ctr"/>
+              <a:lstStyle/>
+              <a:p>
+                <a:pPr algn="ctr"/>
+                <a:endParaRPr lang="ko-KR" altLang="en-US"/>
+              </a:p>
+            </p:txBody>
+          </p:sp>
+          <mc:AlternateContent xmlns:mc="http://schemas.openxmlformats.org/markup-compatibility/2006" xmlns:a14="http://schemas.microsoft.com/office/drawing/2010/main">
+            <mc:Choice Requires="a14">
+              <p:sp>
+                <p:nvSpPr>
+                  <p:cNvPr id="34" name="TextBox 33"/>
+                  <p:cNvSpPr txBox="1"/>
+                  <p:nvPr/>
+                </p:nvSpPr>
+                <p:spPr>
+                  <a:xfrm>
+                    <a:off x="1979712" y="5085184"/>
+                    <a:ext cx="556563" cy="523220"/>
+                  </a:xfrm>
+                  <a:prstGeom prst="rect">
+                    <a:avLst/>
+                  </a:prstGeom>
+                  <a:noFill/>
+                </p:spPr>
+                <p:txBody>
+                  <a:bodyPr wrap="none" rtlCol="0">
+                    <a:spAutoFit/>
+                  </a:bodyPr>
+                  <a:lstStyle/>
+                  <a:p>
+                    <a:pPr/>
+                    <a14:m>
+                      <m:oMathPara xmlns:m="http://schemas.openxmlformats.org/officeDocument/2006/math">
+                        <m:oMathParaPr>
+                          <m:jc m:val="centerGroup"/>
+                        </m:oMathParaPr>
+                        <m:oMath xmlns:m="http://schemas.openxmlformats.org/officeDocument/2006/math">
+                          <m:r>
+                            <a:rPr lang="en-US" altLang="ko-KR" sz="2800" b="0" i="1" smtClean="0">
+                              <a:latin typeface="Cambria Math"/>
+                            </a:rPr>
+                            <m:t>𝐵</m:t>
+                          </m:r>
+                        </m:oMath>
+                      </m:oMathPara>
+                    </a14:m>
+                    <a:endParaRPr lang="ko-KR" altLang="en-US" sz="2800" dirty="0"/>
+                  </a:p>
+                </p:txBody>
+              </p:sp>
+            </mc:Choice>
+            <mc:Fallback xmlns="">
+              <p:sp>
+                <p:nvSpPr>
+                  <p:cNvPr id="34" name="TextBox 33"/>
+                  <p:cNvSpPr txBox="1">
+                    <a:spLocks noRot="1" noChangeAspect="1" noMove="1" noResize="1" noEditPoints="1" noAdjustHandles="1" noChangeArrowheads="1" noChangeShapeType="1" noTextEdit="1"/>
+                  </p:cNvSpPr>
+                  <p:nvPr/>
+                </p:nvSpPr>
+                <p:spPr>
+                  <a:xfrm>
+                    <a:off x="1979712" y="5085184"/>
+                    <a:ext cx="556563" cy="523220"/>
+                  </a:xfrm>
+                  <a:prstGeom prst="rect">
+                    <a:avLst/>
+                  </a:prstGeom>
+                  <a:blipFill rotWithShape="1">
+                    <a:blip r:embed="rId2"/>
+                    <a:stretch>
+                      <a:fillRect/>
+                    </a:stretch>
+                  </a:blipFill>
+                </p:spPr>
+                <p:txBody>
+                  <a:bodyPr/>
+                  <a:lstStyle/>
+                  <a:p>
+                    <a:r>
+                      <a:rPr lang="ko-KR" altLang="en-US">
+                        <a:noFill/>
+                      </a:rPr>
+                      <a:t> </a:t>
+                    </a:r>
+                  </a:p>
+                </p:txBody>
+              </p:sp>
+            </mc:Fallback>
+          </mc:AlternateContent>
+          <p:sp>
+            <p:nvSpPr>
+              <p:cNvPr id="35" name="타원 34"/>
+              <p:cNvSpPr/>
+              <p:nvPr/>
+            </p:nvSpPr>
+            <p:spPr>
+              <a:xfrm>
+                <a:off x="2699792" y="3429000"/>
+                <a:ext cx="72008" cy="72008"/>
+              </a:xfrm>
+              <a:prstGeom prst="ellipse">
+                <a:avLst/>
+              </a:prstGeom>
+            </p:spPr>
+            <p:style>
+              <a:lnRef idx="2">
+                <a:schemeClr val="accent1">
+                  <a:shade val="50000"/>
+                </a:schemeClr>
+              </a:lnRef>
+              <a:fillRef idx="1">
+                <a:schemeClr val="accent1"/>
+              </a:fillRef>
+              <a:effectRef idx="0">
+                <a:schemeClr val="accent1"/>
+              </a:effectRef>
+              <a:fontRef idx="minor">
+                <a:schemeClr val="lt1"/>
+              </a:fontRef>
+            </p:style>
+            <p:txBody>
+              <a:bodyPr rtlCol="0" anchor="ctr"/>
+              <a:lstStyle/>
+              <a:p>
+                <a:pPr algn="ctr"/>
+                <a:endParaRPr lang="ko-KR" altLang="en-US"/>
+              </a:p>
+            </p:txBody>
+          </p:sp>
+          <p:sp>
+            <p:nvSpPr>
+              <p:cNvPr id="36" name="타원 35"/>
+              <p:cNvSpPr/>
+              <p:nvPr/>
+            </p:nvSpPr>
+            <p:spPr>
+              <a:xfrm>
+                <a:off x="3923928" y="3429000"/>
+                <a:ext cx="72008" cy="72008"/>
+              </a:xfrm>
+              <a:prstGeom prst="ellipse">
+                <a:avLst/>
+              </a:prstGeom>
+            </p:spPr>
+            <p:style>
+              <a:lnRef idx="2">
+                <a:schemeClr val="accent1">
+                  <a:shade val="50000"/>
+                </a:schemeClr>
+              </a:lnRef>
+              <a:fillRef idx="1">
+                <a:schemeClr val="accent1"/>
+              </a:fillRef>
+              <a:effectRef idx="0">
+                <a:schemeClr val="accent1"/>
+              </a:effectRef>
+              <a:fontRef idx="minor">
+                <a:schemeClr val="lt1"/>
+              </a:fontRef>
+            </p:style>
+            <p:txBody>
+              <a:bodyPr rtlCol="0" anchor="ctr"/>
+              <a:lstStyle/>
+              <a:p>
+                <a:pPr algn="ctr"/>
+                <a:endParaRPr lang="ko-KR" altLang="en-US"/>
+              </a:p>
+            </p:txBody>
+          </p:sp>
+          <p:sp>
+            <p:nvSpPr>
+              <p:cNvPr id="37" name="타원 36"/>
+              <p:cNvSpPr/>
+              <p:nvPr/>
+            </p:nvSpPr>
+            <p:spPr>
+              <a:xfrm>
+                <a:off x="2699792" y="2204864"/>
+                <a:ext cx="72008" cy="72008"/>
+              </a:xfrm>
+              <a:prstGeom prst="ellipse">
+                <a:avLst/>
+              </a:prstGeom>
+            </p:spPr>
+            <p:style>
+              <a:lnRef idx="2">
+                <a:schemeClr val="accent1">
+                  <a:shade val="50000"/>
+                </a:schemeClr>
+              </a:lnRef>
+              <a:fillRef idx="1">
+                <a:schemeClr val="accent1"/>
+              </a:fillRef>
+              <a:effectRef idx="0">
+                <a:schemeClr val="accent1"/>
+              </a:effectRef>
+              <a:fontRef idx="minor">
+                <a:schemeClr val="lt1"/>
+              </a:fontRef>
+            </p:style>
+            <p:txBody>
+              <a:bodyPr rtlCol="0" anchor="ctr"/>
+              <a:lstStyle/>
+              <a:p>
+                <a:pPr algn="ctr"/>
+                <a:endParaRPr lang="ko-KR" altLang="en-US"/>
+              </a:p>
+            </p:txBody>
+          </p:sp>
+          <mc:AlternateContent xmlns:mc="http://schemas.openxmlformats.org/markup-compatibility/2006" xmlns:a14="http://schemas.microsoft.com/office/drawing/2010/main">
+            <mc:Choice Requires="a14">
+              <p:sp>
+                <p:nvSpPr>
+                  <p:cNvPr id="38" name="TextBox 37"/>
+                  <p:cNvSpPr txBox="1"/>
+                  <p:nvPr/>
+                </p:nvSpPr>
+                <p:spPr>
+                  <a:xfrm>
+                    <a:off x="2051720" y="3234462"/>
+                    <a:ext cx="744627" cy="338554"/>
+                  </a:xfrm>
+                  <a:prstGeom prst="rect">
+                    <a:avLst/>
+                  </a:prstGeom>
+                  <a:noFill/>
+                </p:spPr>
+                <p:txBody>
+                  <a:bodyPr wrap="none" rtlCol="0">
+                    <a:spAutoFit/>
+                  </a:bodyPr>
+                  <a:lstStyle/>
+                  <a:p>
+                    <a:pPr/>
+                    <a14:m>
+                      <m:oMathPara xmlns:m="http://schemas.openxmlformats.org/officeDocument/2006/math">
+                        <m:oMathParaPr>
+                          <m:jc m:val="centerGroup"/>
+                        </m:oMathParaPr>
+                        <m:oMath xmlns:m="http://schemas.openxmlformats.org/officeDocument/2006/math">
+                          <m:r>
+                            <a:rPr lang="en-US" altLang="ko-KR" sz="1600" b="1" i="1" smtClean="0">
+                              <a:latin typeface="Cambria Math"/>
+                            </a:rPr>
+                            <m:t>(</m:t>
+                          </m:r>
+                          <m:r>
+                            <a:rPr lang="en-US" altLang="ko-KR" sz="1600" b="1" i="1" smtClean="0">
+                              <a:latin typeface="Cambria Math"/>
+                            </a:rPr>
+                            <m:t>𝒙</m:t>
+                          </m:r>
+                          <m:r>
+                            <a:rPr lang="en-US" altLang="ko-KR" sz="1600" b="1" i="1" smtClean="0">
+                              <a:latin typeface="Cambria Math"/>
+                            </a:rPr>
+                            <m:t>,</m:t>
+                          </m:r>
+                          <m:r>
+                            <a:rPr lang="en-US" altLang="ko-KR" sz="1600" b="1" i="1" smtClean="0">
+                              <a:latin typeface="Cambria Math"/>
+                            </a:rPr>
+                            <m:t>𝒚</m:t>
+                          </m:r>
+                          <m:r>
+                            <a:rPr lang="en-US" altLang="ko-KR" sz="1600" b="1" i="1" smtClean="0">
+                              <a:latin typeface="Cambria Math"/>
+                            </a:rPr>
+                            <m:t>)</m:t>
+                          </m:r>
+                        </m:oMath>
+                      </m:oMathPara>
+                    </a14:m>
+                    <a:endParaRPr lang="ko-KR" altLang="en-US" sz="1600" b="1" dirty="0"/>
+                  </a:p>
+                </p:txBody>
+              </p:sp>
+            </mc:Choice>
+            <mc:Fallback xmlns="">
+              <p:sp>
+                <p:nvSpPr>
+                  <p:cNvPr id="38" name="TextBox 37"/>
+                  <p:cNvSpPr txBox="1">
+                    <a:spLocks noRot="1" noChangeAspect="1" noMove="1" noResize="1" noEditPoints="1" noAdjustHandles="1" noChangeArrowheads="1" noChangeShapeType="1" noTextEdit="1"/>
+                  </p:cNvSpPr>
+                  <p:nvPr/>
+                </p:nvSpPr>
+                <p:spPr>
+                  <a:xfrm>
+                    <a:off x="2051720" y="3234462"/>
+                    <a:ext cx="744627" cy="338554"/>
+                  </a:xfrm>
+                  <a:prstGeom prst="rect">
+                    <a:avLst/>
+                  </a:prstGeom>
+                  <a:blipFill rotWithShape="1">
+                    <a:blip r:embed="rId3"/>
+                    <a:stretch>
+                      <a:fillRect b="-14545"/>
+                    </a:stretch>
+                  </a:blipFill>
+                </p:spPr>
+                <p:txBody>
+                  <a:bodyPr/>
+                  <a:lstStyle/>
+                  <a:p>
+                    <a:r>
+                      <a:rPr lang="ko-KR" altLang="en-US">
+                        <a:noFill/>
+                      </a:rPr>
+                      <a:t> </a:t>
+                    </a:r>
+                  </a:p>
+                </p:txBody>
+              </p:sp>
+            </mc:Fallback>
+          </mc:AlternateContent>
+          <mc:AlternateContent xmlns:mc="http://schemas.openxmlformats.org/markup-compatibility/2006" xmlns:a14="http://schemas.microsoft.com/office/drawing/2010/main">
+            <mc:Choice Requires="a14">
+              <p:sp>
+                <p:nvSpPr>
+                  <p:cNvPr id="39" name="TextBox 38"/>
+                  <p:cNvSpPr txBox="1"/>
+                  <p:nvPr/>
+                </p:nvSpPr>
+                <p:spPr>
+                  <a:xfrm>
+                    <a:off x="2627784" y="1938318"/>
+                    <a:ext cx="1121141" cy="338554"/>
+                  </a:xfrm>
+                  <a:prstGeom prst="rect">
+                    <a:avLst/>
+                  </a:prstGeom>
+                  <a:noFill/>
+                </p:spPr>
+                <p:txBody>
+                  <a:bodyPr wrap="none" rtlCol="0">
+                    <a:spAutoFit/>
+                  </a:bodyPr>
+                  <a:lstStyle/>
+                  <a:p>
+                    <a:pPr/>
+                    <a14:m>
+                      <m:oMathPara xmlns:m="http://schemas.openxmlformats.org/officeDocument/2006/math">
+                        <m:oMathParaPr>
+                          <m:jc m:val="centerGroup"/>
+                        </m:oMathParaPr>
+                        <m:oMath xmlns:m="http://schemas.openxmlformats.org/officeDocument/2006/math">
+                          <m:r>
+                            <a:rPr lang="en-US" altLang="ko-KR" sz="1600" b="1" i="1" smtClean="0">
+                              <a:latin typeface="Cambria Math"/>
+                            </a:rPr>
+                            <m:t>(</m:t>
+                          </m:r>
+                          <m:r>
+                            <a:rPr lang="en-US" altLang="ko-KR" sz="1600" b="1" i="1" smtClean="0">
+                              <a:latin typeface="Cambria Math"/>
+                            </a:rPr>
+                            <m:t>𝒙</m:t>
+                          </m:r>
+                          <m:r>
+                            <a:rPr lang="en-US" altLang="ko-KR" sz="1600" b="1" i="1" smtClean="0">
+                              <a:latin typeface="Cambria Math"/>
+                            </a:rPr>
+                            <m:t>,</m:t>
+                          </m:r>
+                          <m:r>
+                            <a:rPr lang="en-US" altLang="ko-KR" sz="1600" b="1" i="1" smtClean="0">
+                              <a:latin typeface="Cambria Math"/>
+                            </a:rPr>
+                            <m:t>𝒚</m:t>
+                          </m:r>
+                          <m:r>
+                            <a:rPr lang="en-US" altLang="ko-KR" sz="1600" b="1" i="1" smtClean="0">
+                              <a:latin typeface="Cambria Math"/>
+                            </a:rPr>
+                            <m:t>+</m:t>
+                          </m:r>
+                          <m:r>
+                            <a:rPr lang="en-US" altLang="ko-KR" sz="1600" b="1" i="1" smtClean="0">
+                              <a:latin typeface="Cambria Math"/>
+                            </a:rPr>
+                            <m:t>𝒅</m:t>
+                          </m:r>
+                          <m:r>
+                            <a:rPr lang="en-US" altLang="ko-KR" sz="1600" b="1" i="1" smtClean="0">
+                              <a:latin typeface="Cambria Math"/>
+                            </a:rPr>
+                            <m:t>)</m:t>
+                          </m:r>
+                        </m:oMath>
+                      </m:oMathPara>
+                    </a14:m>
+                    <a:endParaRPr lang="ko-KR" altLang="en-US" sz="1600" b="1" dirty="0"/>
+                  </a:p>
+                </p:txBody>
+              </p:sp>
+            </mc:Choice>
+            <mc:Fallback xmlns="">
+              <p:sp>
+                <p:nvSpPr>
+                  <p:cNvPr id="39" name="TextBox 38"/>
+                  <p:cNvSpPr txBox="1">
+                    <a:spLocks noRot="1" noChangeAspect="1" noMove="1" noResize="1" noEditPoints="1" noAdjustHandles="1" noChangeArrowheads="1" noChangeShapeType="1" noTextEdit="1"/>
+                  </p:cNvSpPr>
+                  <p:nvPr/>
+                </p:nvSpPr>
+                <p:spPr>
+                  <a:xfrm>
+                    <a:off x="2627784" y="1938318"/>
+                    <a:ext cx="1121141" cy="338554"/>
+                  </a:xfrm>
+                  <a:prstGeom prst="rect">
+                    <a:avLst/>
+                  </a:prstGeom>
+                  <a:blipFill rotWithShape="1">
+                    <a:blip r:embed="rId4"/>
+                    <a:stretch>
+                      <a:fillRect b="-12500"/>
+                    </a:stretch>
+                  </a:blipFill>
+                </p:spPr>
+                <p:txBody>
+                  <a:bodyPr/>
+                  <a:lstStyle/>
+                  <a:p>
+                    <a:r>
+                      <a:rPr lang="ko-KR" altLang="en-US">
+                        <a:noFill/>
+                      </a:rPr>
+                      <a:t> </a:t>
+                    </a:r>
+                  </a:p>
+                </p:txBody>
+              </p:sp>
+            </mc:Fallback>
+          </mc:AlternateContent>
+          <mc:AlternateContent xmlns:mc="http://schemas.openxmlformats.org/markup-compatibility/2006" xmlns:a14="http://schemas.microsoft.com/office/drawing/2010/main">
+            <mc:Choice Requires="a14">
+              <p:sp>
+                <p:nvSpPr>
+                  <p:cNvPr id="41" name="TextBox 40"/>
+                  <p:cNvSpPr txBox="1"/>
+                  <p:nvPr/>
+                </p:nvSpPr>
+                <p:spPr>
+                  <a:xfrm>
+                    <a:off x="3923928" y="3234462"/>
+                    <a:ext cx="1121141" cy="338554"/>
+                  </a:xfrm>
+                  <a:prstGeom prst="rect">
+                    <a:avLst/>
+                  </a:prstGeom>
+                  <a:noFill/>
+                </p:spPr>
+                <p:txBody>
+                  <a:bodyPr wrap="none" rtlCol="0">
+                    <a:spAutoFit/>
+                  </a:bodyPr>
+                  <a:lstStyle/>
+                  <a:p>
+                    <a:pPr/>
+                    <a14:m>
+                      <m:oMathPara xmlns:m="http://schemas.openxmlformats.org/officeDocument/2006/math">
+                        <m:oMathParaPr>
+                          <m:jc m:val="centerGroup"/>
+                        </m:oMathParaPr>
+                        <m:oMath xmlns:m="http://schemas.openxmlformats.org/officeDocument/2006/math">
+                          <m:r>
+                            <a:rPr lang="en-US" altLang="ko-KR" sz="1600" b="1" i="1" smtClean="0">
+                              <a:latin typeface="Cambria Math"/>
+                            </a:rPr>
+                            <m:t>(</m:t>
+                          </m:r>
+                          <m:r>
+                            <a:rPr lang="en-US" altLang="ko-KR" sz="1600" b="1" i="1" smtClean="0">
+                              <a:latin typeface="Cambria Math"/>
+                            </a:rPr>
+                            <m:t>𝒙</m:t>
+                          </m:r>
+                          <m:r>
+                            <a:rPr lang="en-US" altLang="ko-KR" sz="1600" b="1" i="1" smtClean="0">
+                              <a:latin typeface="Cambria Math"/>
+                            </a:rPr>
+                            <m:t>+</m:t>
+                          </m:r>
+                          <m:r>
+                            <a:rPr lang="en-US" altLang="ko-KR" sz="1600" b="1" i="1" smtClean="0">
+                              <a:latin typeface="Cambria Math"/>
+                            </a:rPr>
+                            <m:t>𝒅</m:t>
+                          </m:r>
+                          <m:r>
+                            <a:rPr lang="en-US" altLang="ko-KR" sz="1600" b="1" i="1" smtClean="0">
+                              <a:latin typeface="Cambria Math"/>
+                            </a:rPr>
+                            <m:t>,</m:t>
+                          </m:r>
+                          <m:r>
+                            <a:rPr lang="en-US" altLang="ko-KR" sz="1600" b="1" i="1" smtClean="0">
+                              <a:latin typeface="Cambria Math"/>
+                            </a:rPr>
+                            <m:t>𝒚</m:t>
+                          </m:r>
+                          <m:r>
+                            <a:rPr lang="en-US" altLang="ko-KR" sz="1600" b="1" i="1" smtClean="0">
+                              <a:latin typeface="Cambria Math"/>
+                            </a:rPr>
+                            <m:t>)</m:t>
+                          </m:r>
+                        </m:oMath>
+                      </m:oMathPara>
+                    </a14:m>
+                    <a:endParaRPr lang="ko-KR" altLang="en-US" sz="1600" b="1" dirty="0"/>
+                  </a:p>
+                </p:txBody>
+              </p:sp>
+            </mc:Choice>
+            <mc:Fallback xmlns="">
+              <p:sp>
+                <p:nvSpPr>
+                  <p:cNvPr id="41" name="TextBox 40"/>
+                  <p:cNvSpPr txBox="1">
+                    <a:spLocks noRot="1" noChangeAspect="1" noMove="1" noResize="1" noEditPoints="1" noAdjustHandles="1" noChangeArrowheads="1" noChangeShapeType="1" noTextEdit="1"/>
+                  </p:cNvSpPr>
+                  <p:nvPr/>
+                </p:nvSpPr>
+                <p:spPr>
+                  <a:xfrm>
+                    <a:off x="3923928" y="3234462"/>
+                    <a:ext cx="1121141" cy="338554"/>
+                  </a:xfrm>
+                  <a:prstGeom prst="rect">
+                    <a:avLst/>
+                  </a:prstGeom>
+                  <a:blipFill rotWithShape="1">
+                    <a:blip r:embed="rId5"/>
+                    <a:stretch>
+                      <a:fillRect b="-14545"/>
+                    </a:stretch>
+                  </a:blipFill>
+                </p:spPr>
+                <p:txBody>
+                  <a:bodyPr/>
+                  <a:lstStyle/>
+                  <a:p>
+                    <a:r>
+                      <a:rPr lang="ko-KR" altLang="en-US">
+                        <a:noFill/>
+                      </a:rPr>
+                      <a:t> </a:t>
+                    </a:r>
+                  </a:p>
+                </p:txBody>
+              </p:sp>
+            </mc:Fallback>
+          </mc:AlternateContent>
+        </p:grpSp>
+        <mc:AlternateContent xmlns:mc="http://schemas.openxmlformats.org/markup-compatibility/2006" xmlns:a14="http://schemas.microsoft.com/office/drawing/2010/main">
+          <mc:Choice Requires="a14">
+            <p:sp>
+              <p:nvSpPr>
+                <p:cNvPr id="2" name="TextBox 1"/>
+                <p:cNvSpPr txBox="1"/>
+                <p:nvPr/>
+              </p:nvSpPr>
+              <p:spPr>
+                <a:xfrm>
+                  <a:off x="6754430" y="6245025"/>
+                  <a:ext cx="970137" cy="369332"/>
+                </a:xfrm>
+                <a:prstGeom prst="rect">
+                  <a:avLst/>
+                </a:prstGeom>
+                <a:noFill/>
+              </p:spPr>
+              <p:txBody>
+                <a:bodyPr wrap="none" rtlCol="0">
+                  <a:spAutoFit/>
+                </a:bodyPr>
+                <a:lstStyle/>
+                <a:p>
+                  <a:pPr/>
+                  <a14:m>
+                    <m:oMathPara xmlns:m="http://schemas.openxmlformats.org/officeDocument/2006/math">
+                      <m:oMathParaPr>
+                        <m:jc m:val="centerGroup"/>
+                      </m:oMathParaPr>
+                      <m:oMath xmlns:m="http://schemas.openxmlformats.org/officeDocument/2006/math">
+                        <m:r>
+                          <a:rPr lang="en-US" altLang="ko-KR" b="1" i="1" smtClean="0">
+                            <a:latin typeface="Cambria Math"/>
+                          </a:rPr>
+                          <m:t>(</m:t>
+                        </m:r>
+                        <m:r>
+                          <a:rPr lang="en-US" altLang="ko-KR" b="1" i="1" smtClean="0">
+                            <a:latin typeface="Cambria Math"/>
+                          </a:rPr>
+                          <m:t>𝟐</m:t>
+                        </m:r>
+                        <m:r>
+                          <a:rPr lang="en-US" altLang="ko-KR" b="1" i="1" smtClean="0">
+                            <a:latin typeface="Cambria Math"/>
+                          </a:rPr>
+                          <m:t>𝒏</m:t>
+                        </m:r>
+                        <m:r>
+                          <a:rPr lang="en-US" altLang="ko-KR" b="1" i="1" smtClean="0">
+                            <a:latin typeface="Cambria Math"/>
+                          </a:rPr>
+                          <m:t>,</m:t>
+                        </m:r>
+                        <m:r>
+                          <a:rPr lang="en-US" altLang="ko-KR" b="1" i="1" smtClean="0">
+                            <a:latin typeface="Cambria Math"/>
+                          </a:rPr>
+                          <m:t>𝟎</m:t>
+                        </m:r>
+                        <m:r>
+                          <a:rPr lang="en-US" altLang="ko-KR" b="1" i="1" smtClean="0">
+                            <a:latin typeface="Cambria Math"/>
+                          </a:rPr>
+                          <m:t>)</m:t>
+                        </m:r>
+                      </m:oMath>
+                    </m:oMathPara>
+                  </a14:m>
+                  <a:endParaRPr lang="ko-KR" altLang="en-US" b="1" dirty="0"/>
+                </a:p>
+              </p:txBody>
+            </p:sp>
+          </mc:Choice>
+          <mc:Fallback xmlns="">
+            <p:sp>
+              <p:nvSpPr>
+                <p:cNvPr id="2" name="TextBox 1"/>
+                <p:cNvSpPr txBox="1">
+                  <a:spLocks noRot="1" noChangeAspect="1" noMove="1" noResize="1" noEditPoints="1" noAdjustHandles="1" noChangeArrowheads="1" noChangeShapeType="1" noTextEdit="1"/>
+                </p:cNvSpPr>
+                <p:nvPr/>
+              </p:nvSpPr>
+              <p:spPr>
+                <a:xfrm>
+                  <a:off x="6754430" y="6245025"/>
+                  <a:ext cx="970137" cy="369332"/>
+                </a:xfrm>
+                <a:prstGeom prst="rect">
+                  <a:avLst/>
+                </a:prstGeom>
+                <a:blipFill rotWithShape="1">
+                  <a:blip r:embed="rId6"/>
+                  <a:stretch>
+                    <a:fillRect b="-14754"/>
+                  </a:stretch>
+                </a:blipFill>
+              </p:spPr>
+              <p:txBody>
+                <a:bodyPr/>
+                <a:lstStyle/>
+                <a:p>
+                  <a:r>
+                    <a:rPr lang="ko-KR" altLang="en-US">
+                      <a:noFill/>
+                    </a:rPr>
+                    <a:t> </a:t>
+                  </a:r>
+                </a:p>
+              </p:txBody>
+            </p:sp>
+          </mc:Fallback>
+        </mc:AlternateContent>
+        <mc:AlternateContent xmlns:mc="http://schemas.openxmlformats.org/markup-compatibility/2006" xmlns:a14="http://schemas.microsoft.com/office/drawing/2010/main">
+          <mc:Choice Requires="a14">
+            <p:sp>
+              <p:nvSpPr>
+                <p:cNvPr id="21" name="TextBox 20"/>
+                <p:cNvSpPr txBox="1"/>
+                <p:nvPr/>
+              </p:nvSpPr>
+              <p:spPr>
+                <a:xfrm>
+                  <a:off x="4067944" y="6237312"/>
+                  <a:ext cx="832279" cy="369332"/>
+                </a:xfrm>
+                <a:prstGeom prst="rect">
+                  <a:avLst/>
+                </a:prstGeom>
+                <a:noFill/>
+              </p:spPr>
+              <p:txBody>
+                <a:bodyPr wrap="none" rtlCol="0">
+                  <a:spAutoFit/>
+                </a:bodyPr>
+                <a:lstStyle/>
+                <a:p>
+                  <a:pPr/>
+                  <a14:m>
+                    <m:oMathPara xmlns:m="http://schemas.openxmlformats.org/officeDocument/2006/math">
+                      <m:oMathParaPr>
+                        <m:jc m:val="centerGroup"/>
+                      </m:oMathParaPr>
+                      <m:oMath xmlns:m="http://schemas.openxmlformats.org/officeDocument/2006/math">
+                        <m:r>
+                          <a:rPr lang="en-US" altLang="ko-KR" b="1" i="1" smtClean="0">
+                            <a:latin typeface="Cambria Math"/>
+                          </a:rPr>
+                          <m:t>(</m:t>
+                        </m:r>
+                        <m:r>
+                          <a:rPr lang="en-US" altLang="ko-KR" b="1" i="1" smtClean="0">
+                            <a:latin typeface="Cambria Math"/>
+                          </a:rPr>
+                          <m:t>𝒏</m:t>
+                        </m:r>
+                        <m:r>
+                          <a:rPr lang="en-US" altLang="ko-KR" b="1" i="1" smtClean="0">
+                            <a:latin typeface="Cambria Math"/>
+                          </a:rPr>
+                          <m:t>,</m:t>
+                        </m:r>
+                        <m:r>
+                          <a:rPr lang="en-US" altLang="ko-KR" b="1" i="1" smtClean="0">
+                            <a:latin typeface="Cambria Math"/>
+                          </a:rPr>
+                          <m:t>𝟎</m:t>
+                        </m:r>
+                        <m:r>
+                          <a:rPr lang="en-US" altLang="ko-KR" b="1" i="1" smtClean="0">
+                            <a:latin typeface="Cambria Math"/>
+                          </a:rPr>
+                          <m:t>)</m:t>
+                        </m:r>
+                      </m:oMath>
+                    </m:oMathPara>
+                  </a14:m>
+                  <a:endParaRPr lang="ko-KR" altLang="en-US" b="1" dirty="0"/>
+                </a:p>
+              </p:txBody>
+            </p:sp>
+          </mc:Choice>
+          <mc:Fallback xmlns="">
+            <p:sp>
+              <p:nvSpPr>
+                <p:cNvPr id="21" name="TextBox 20"/>
+                <p:cNvSpPr txBox="1">
+                  <a:spLocks noRot="1" noChangeAspect="1" noMove="1" noResize="1" noEditPoints="1" noAdjustHandles="1" noChangeArrowheads="1" noChangeShapeType="1" noTextEdit="1"/>
+                </p:cNvSpPr>
+                <p:nvPr/>
+              </p:nvSpPr>
+              <p:spPr>
+                <a:xfrm>
+                  <a:off x="4067944" y="6237312"/>
+                  <a:ext cx="832279" cy="369332"/>
+                </a:xfrm>
+                <a:prstGeom prst="rect">
+                  <a:avLst/>
+                </a:prstGeom>
+                <a:blipFill rotWithShape="1">
+                  <a:blip r:embed="rId7"/>
+                  <a:stretch>
+                    <a:fillRect b="-14754"/>
+                  </a:stretch>
+                </a:blipFill>
+              </p:spPr>
+              <p:txBody>
+                <a:bodyPr/>
+                <a:lstStyle/>
+                <a:p>
+                  <a:r>
+                    <a:rPr lang="ko-KR" altLang="en-US">
+                      <a:noFill/>
+                    </a:rPr>
+                    <a:t> </a:t>
+                  </a:r>
+                </a:p>
+              </p:txBody>
+            </p:sp>
+          </mc:Fallback>
+        </mc:AlternateContent>
+        <mc:AlternateContent xmlns:mc="http://schemas.openxmlformats.org/markup-compatibility/2006" xmlns:a14="http://schemas.microsoft.com/office/drawing/2010/main">
+          <mc:Choice Requires="a14">
+            <p:sp>
+              <p:nvSpPr>
+                <p:cNvPr id="22" name="TextBox 21"/>
+                <p:cNvSpPr txBox="1"/>
+                <p:nvPr/>
+              </p:nvSpPr>
+              <p:spPr>
+                <a:xfrm>
+                  <a:off x="1115616" y="476672"/>
+                  <a:ext cx="970137" cy="369332"/>
+                </a:xfrm>
+                <a:prstGeom prst="rect">
+                  <a:avLst/>
+                </a:prstGeom>
+                <a:noFill/>
+              </p:spPr>
+              <p:txBody>
+                <a:bodyPr wrap="none" rtlCol="0">
+                  <a:spAutoFit/>
+                </a:bodyPr>
+                <a:lstStyle/>
+                <a:p>
+                  <a:pPr/>
+                  <a14:m>
+                    <m:oMathPara xmlns:m="http://schemas.openxmlformats.org/officeDocument/2006/math">
+                      <m:oMathParaPr>
+                        <m:jc m:val="centerGroup"/>
+                      </m:oMathParaPr>
+                      <m:oMath xmlns:m="http://schemas.openxmlformats.org/officeDocument/2006/math">
+                        <m:r>
+                          <a:rPr lang="en-US" altLang="ko-KR" b="1" i="1" smtClean="0">
+                            <a:latin typeface="Cambria Math"/>
+                          </a:rPr>
+                          <m:t>(</m:t>
+                        </m:r>
+                        <m:r>
+                          <a:rPr lang="en-US" altLang="ko-KR" b="1" i="1" smtClean="0">
+                            <a:latin typeface="Cambria Math"/>
+                          </a:rPr>
+                          <m:t>𝟎</m:t>
+                        </m:r>
+                        <m:r>
+                          <a:rPr lang="en-US" altLang="ko-KR" b="1" i="1" smtClean="0">
+                            <a:latin typeface="Cambria Math"/>
+                          </a:rPr>
+                          <m:t>,</m:t>
+                        </m:r>
+                        <m:r>
+                          <a:rPr lang="en-US" altLang="ko-KR" b="1" i="1" smtClean="0">
+                            <a:latin typeface="Cambria Math"/>
+                          </a:rPr>
+                          <m:t>𝟐</m:t>
+                        </m:r>
+                        <m:r>
+                          <a:rPr lang="en-US" altLang="ko-KR" b="1" i="1" smtClean="0">
+                            <a:latin typeface="Cambria Math"/>
+                          </a:rPr>
+                          <m:t>𝒏</m:t>
+                        </m:r>
+                        <m:r>
+                          <a:rPr lang="en-US" altLang="ko-KR" b="1" i="1" smtClean="0">
+                            <a:latin typeface="Cambria Math"/>
+                          </a:rPr>
+                          <m:t>)</m:t>
+                        </m:r>
+                      </m:oMath>
+                    </m:oMathPara>
+                  </a14:m>
+                  <a:endParaRPr lang="ko-KR" altLang="en-US" b="1" dirty="0"/>
+                </a:p>
+              </p:txBody>
+            </p:sp>
+          </mc:Choice>
+          <mc:Fallback xmlns="">
+            <p:sp>
+              <p:nvSpPr>
+                <p:cNvPr id="22" name="TextBox 21"/>
+                <p:cNvSpPr txBox="1">
+                  <a:spLocks noRot="1" noChangeAspect="1" noMove="1" noResize="1" noEditPoints="1" noAdjustHandles="1" noChangeArrowheads="1" noChangeShapeType="1" noTextEdit="1"/>
+                </p:cNvSpPr>
+                <p:nvPr/>
+              </p:nvSpPr>
+              <p:spPr>
+                <a:xfrm>
+                  <a:off x="1115616" y="476672"/>
+                  <a:ext cx="970137" cy="369332"/>
+                </a:xfrm>
+                <a:prstGeom prst="rect">
+                  <a:avLst/>
+                </a:prstGeom>
+                <a:blipFill rotWithShape="1">
+                  <a:blip r:embed="rId8"/>
+                  <a:stretch>
+                    <a:fillRect b="-14754"/>
+                  </a:stretch>
+                </a:blipFill>
+              </p:spPr>
+              <p:txBody>
+                <a:bodyPr/>
+                <a:lstStyle/>
+                <a:p>
+                  <a:r>
+                    <a:rPr lang="ko-KR" altLang="en-US">
+                      <a:noFill/>
+                    </a:rPr>
+                    <a:t> </a:t>
+                  </a:r>
+                </a:p>
+              </p:txBody>
+            </p:sp>
+          </mc:Fallback>
+        </mc:AlternateContent>
+        <mc:AlternateContent xmlns:mc="http://schemas.openxmlformats.org/markup-compatibility/2006" xmlns:a14="http://schemas.microsoft.com/office/drawing/2010/main">
+          <mc:Choice Requires="a14">
+            <p:sp>
+              <p:nvSpPr>
+                <p:cNvPr id="24" name="TextBox 23"/>
+                <p:cNvSpPr txBox="1"/>
+                <p:nvPr/>
+              </p:nvSpPr>
+              <p:spPr>
+                <a:xfrm>
+                  <a:off x="859401" y="3347700"/>
+                  <a:ext cx="832279" cy="369332"/>
+                </a:xfrm>
+                <a:prstGeom prst="rect">
+                  <a:avLst/>
+                </a:prstGeom>
+                <a:noFill/>
+              </p:spPr>
+              <p:txBody>
+                <a:bodyPr wrap="none" rtlCol="0">
+                  <a:spAutoFit/>
+                </a:bodyPr>
+                <a:lstStyle/>
+                <a:p>
+                  <a:pPr/>
+                  <a14:m>
+                    <m:oMathPara xmlns:m="http://schemas.openxmlformats.org/officeDocument/2006/math">
+                      <m:oMathParaPr>
+                        <m:jc m:val="centerGroup"/>
+                      </m:oMathParaPr>
+                      <m:oMath xmlns:m="http://schemas.openxmlformats.org/officeDocument/2006/math">
+                        <m:r>
+                          <a:rPr lang="en-US" altLang="ko-KR" b="1" i="1" smtClean="0">
+                            <a:latin typeface="Cambria Math"/>
+                          </a:rPr>
+                          <m:t>(</m:t>
+                        </m:r>
+                        <m:r>
+                          <a:rPr lang="en-US" altLang="ko-KR" b="1" i="1" smtClean="0">
+                            <a:latin typeface="Cambria Math"/>
+                          </a:rPr>
+                          <m:t>𝟎</m:t>
+                        </m:r>
+                        <m:r>
+                          <a:rPr lang="en-US" altLang="ko-KR" b="1" i="1" smtClean="0">
+                            <a:latin typeface="Cambria Math"/>
+                          </a:rPr>
+                          <m:t>,</m:t>
+                        </m:r>
+                        <m:r>
+                          <a:rPr lang="en-US" altLang="ko-KR" b="1" i="1" smtClean="0">
+                            <a:latin typeface="Cambria Math"/>
+                          </a:rPr>
+                          <m:t>𝒏</m:t>
+                        </m:r>
+                        <m:r>
+                          <a:rPr lang="en-US" altLang="ko-KR" b="1" i="1" smtClean="0">
+                            <a:latin typeface="Cambria Math"/>
+                          </a:rPr>
+                          <m:t>)</m:t>
+                        </m:r>
+                      </m:oMath>
+                    </m:oMathPara>
+                  </a14:m>
+                  <a:endParaRPr lang="ko-KR" altLang="en-US" b="1" dirty="0"/>
+                </a:p>
+              </p:txBody>
+            </p:sp>
+          </mc:Choice>
+          <mc:Fallback xmlns="">
+            <p:sp>
+              <p:nvSpPr>
+                <p:cNvPr id="24" name="TextBox 23"/>
+                <p:cNvSpPr txBox="1">
+                  <a:spLocks noRot="1" noChangeAspect="1" noMove="1" noResize="1" noEditPoints="1" noAdjustHandles="1" noChangeArrowheads="1" noChangeShapeType="1" noTextEdit="1"/>
+                </p:cNvSpPr>
+                <p:nvPr/>
+              </p:nvSpPr>
+              <p:spPr>
+                <a:xfrm>
+                  <a:off x="859401" y="3347700"/>
+                  <a:ext cx="832279" cy="369332"/>
+                </a:xfrm>
+                <a:prstGeom prst="rect">
+                  <a:avLst/>
+                </a:prstGeom>
+                <a:blipFill rotWithShape="1">
+                  <a:blip r:embed="rId9"/>
+                  <a:stretch>
+                    <a:fillRect b="-14754"/>
+                  </a:stretch>
+                </a:blipFill>
+              </p:spPr>
+              <p:txBody>
+                <a:bodyPr/>
+                <a:lstStyle/>
+                <a:p>
+                  <a:r>
+                    <a:rPr lang="ko-KR" altLang="en-US">
+                      <a:noFill/>
+                    </a:rPr>
+                    <a:t> </a:t>
+                  </a:r>
+                </a:p>
+              </p:txBody>
+            </p:sp>
+          </mc:Fallback>
+        </mc:AlternateContent>
+      </p:grpSp>
+    </p:spTree>
+    <p:extLst>
+      <p:ext uri="{BB962C8B-B14F-4D97-AF65-F5344CB8AC3E}">
+        <p14:creationId xmlns:p14="http://schemas.microsoft.com/office/powerpoint/2010/main" val="1868475590"/>
       </p:ext>
     </p:extLst>
   </p:cSld>
